--- a/REST APIs.pptx
+++ b/REST APIs.pptx
@@ -15,6 +15,9 @@
     <p:sldId id="263" r:id="rId9"/>
     <p:sldId id="264" r:id="rId10"/>
     <p:sldId id="265" r:id="rId11"/>
+    <p:sldId id="266" r:id="rId12"/>
+    <p:sldId id="267" r:id="rId13"/>
+    <p:sldId id="268" r:id="rId14"/>
   </p:sldIdLst>
   <p:sldSz cx="12192000" cy="6858000"/>
   <p:notesSz cx="6858000" cy="9144000"/>
@@ -113,6 +116,11 @@
       </a:defRPr>
     </a:lvl9pPr>
   </p:defaultTextStyle>
+  <p:extLst>
+    <p:ext uri="{EFAFB233-063F-42B5-8137-9DF3F51BA10A}">
+      <p15:sldGuideLst xmlns:p15="http://schemas.microsoft.com/office/powerpoint/2012/main"/>
+    </p:ext>
+  </p:extLst>
 </p:presentation>
 </file>
 
@@ -263,7 +271,7 @@
           <a:p>
             <a:fld id="{159EC54C-924C-416D-A1AC-492EEEAAD2BA}" type="datetimeFigureOut">
               <a:rPr lang="en-US" smtClean="0"/>
-              <a:t>2/15/2023</a:t>
+              <a:t>2/16/2023</a:t>
             </a:fld>
             <a:endParaRPr lang="en-US"/>
           </a:p>
@@ -461,7 +469,7 @@
           <a:p>
             <a:fld id="{159EC54C-924C-416D-A1AC-492EEEAAD2BA}" type="datetimeFigureOut">
               <a:rPr lang="en-US" smtClean="0"/>
-              <a:t>2/15/2023</a:t>
+              <a:t>2/16/2023</a:t>
             </a:fld>
             <a:endParaRPr lang="en-US"/>
           </a:p>
@@ -669,7 +677,7 @@
           <a:p>
             <a:fld id="{159EC54C-924C-416D-A1AC-492EEEAAD2BA}" type="datetimeFigureOut">
               <a:rPr lang="en-US" smtClean="0"/>
-              <a:t>2/15/2023</a:t>
+              <a:t>2/16/2023</a:t>
             </a:fld>
             <a:endParaRPr lang="en-US"/>
           </a:p>
@@ -867,7 +875,7 @@
           <a:p>
             <a:fld id="{159EC54C-924C-416D-A1AC-492EEEAAD2BA}" type="datetimeFigureOut">
               <a:rPr lang="en-US" smtClean="0"/>
-              <a:t>2/15/2023</a:t>
+              <a:t>2/16/2023</a:t>
             </a:fld>
             <a:endParaRPr lang="en-US"/>
           </a:p>
@@ -1142,7 +1150,7 @@
           <a:p>
             <a:fld id="{159EC54C-924C-416D-A1AC-492EEEAAD2BA}" type="datetimeFigureOut">
               <a:rPr lang="en-US" smtClean="0"/>
-              <a:t>2/15/2023</a:t>
+              <a:t>2/16/2023</a:t>
             </a:fld>
             <a:endParaRPr lang="en-US"/>
           </a:p>
@@ -1407,7 +1415,7 @@
           <a:p>
             <a:fld id="{159EC54C-924C-416D-A1AC-492EEEAAD2BA}" type="datetimeFigureOut">
               <a:rPr lang="en-US" smtClean="0"/>
-              <a:t>2/15/2023</a:t>
+              <a:t>2/16/2023</a:t>
             </a:fld>
             <a:endParaRPr lang="en-US"/>
           </a:p>
@@ -1819,7 +1827,7 @@
           <a:p>
             <a:fld id="{159EC54C-924C-416D-A1AC-492EEEAAD2BA}" type="datetimeFigureOut">
               <a:rPr lang="en-US" smtClean="0"/>
-              <a:t>2/15/2023</a:t>
+              <a:t>2/16/2023</a:t>
             </a:fld>
             <a:endParaRPr lang="en-US"/>
           </a:p>
@@ -1960,7 +1968,7 @@
           <a:p>
             <a:fld id="{159EC54C-924C-416D-A1AC-492EEEAAD2BA}" type="datetimeFigureOut">
               <a:rPr lang="en-US" smtClean="0"/>
-              <a:t>2/15/2023</a:t>
+              <a:t>2/16/2023</a:t>
             </a:fld>
             <a:endParaRPr lang="en-US"/>
           </a:p>
@@ -2073,7 +2081,7 @@
           <a:p>
             <a:fld id="{159EC54C-924C-416D-A1AC-492EEEAAD2BA}" type="datetimeFigureOut">
               <a:rPr lang="en-US" smtClean="0"/>
-              <a:t>2/15/2023</a:t>
+              <a:t>2/16/2023</a:t>
             </a:fld>
             <a:endParaRPr lang="en-US"/>
           </a:p>
@@ -2384,7 +2392,7 @@
           <a:p>
             <a:fld id="{159EC54C-924C-416D-A1AC-492EEEAAD2BA}" type="datetimeFigureOut">
               <a:rPr lang="en-US" smtClean="0"/>
-              <a:t>2/15/2023</a:t>
+              <a:t>2/16/2023</a:t>
             </a:fld>
             <a:endParaRPr lang="en-US"/>
           </a:p>
@@ -2672,7 +2680,7 @@
           <a:p>
             <a:fld id="{159EC54C-924C-416D-A1AC-492EEEAAD2BA}" type="datetimeFigureOut">
               <a:rPr lang="en-US" smtClean="0"/>
-              <a:t>2/15/2023</a:t>
+              <a:t>2/16/2023</a:t>
             </a:fld>
             <a:endParaRPr lang="en-US"/>
           </a:p>
@@ -2913,7 +2921,7 @@
           <a:p>
             <a:fld id="{159EC54C-924C-416D-A1AC-492EEEAAD2BA}" type="datetimeFigureOut">
               <a:rPr lang="en-US" smtClean="0"/>
-              <a:t>2/15/2023</a:t>
+              <a:t>2/16/2023</a:t>
             </a:fld>
             <a:endParaRPr lang="en-US"/>
           </a:p>
@@ -3671,6 +3679,1589 @@
 </p:sld>
 </file>
 
+<file path=ppt/slides/slide11.xml><?xml version="1.0" encoding="utf-8"?>
+<p:sld xmlns:a="http://schemas.openxmlformats.org/drawingml/2006/main" xmlns:r="http://schemas.openxmlformats.org/officeDocument/2006/relationships" xmlns:p="http://schemas.openxmlformats.org/presentationml/2006/main">
+  <p:cSld>
+    <p:spTree>
+      <p:nvGrpSpPr>
+        <p:cNvPr id="1" name=""/>
+        <p:cNvGrpSpPr/>
+        <p:nvPr/>
+      </p:nvGrpSpPr>
+      <p:grpSpPr>
+        <a:xfrm>
+          <a:off x="0" y="0"/>
+          <a:ext cx="0" cy="0"/>
+          <a:chOff x="0" y="0"/>
+          <a:chExt cx="0" cy="0"/>
+        </a:xfrm>
+      </p:grpSpPr>
+      <p:sp>
+        <p:nvSpPr>
+          <p:cNvPr id="2" name="Title 1">
+            <a:extLst>
+              <a:ext uri="{FF2B5EF4-FFF2-40B4-BE49-F238E27FC236}">
+                <a16:creationId xmlns:a16="http://schemas.microsoft.com/office/drawing/2014/main" id="{42168BFD-E6F6-9AA8-CEDE-354B7E6923C4}"/>
+              </a:ext>
+            </a:extLst>
+          </p:cNvPr>
+          <p:cNvSpPr>
+            <a:spLocks noGrp="1"/>
+          </p:cNvSpPr>
+          <p:nvPr>
+            <p:ph type="title"/>
+          </p:nvPr>
+        </p:nvSpPr>
+        <p:spPr/>
+        <p:txBody>
+          <a:bodyPr/>
+          <a:lstStyle/>
+          <a:p>
+            <a:r>
+              <a:rPr lang="en-US" dirty="0"/>
+              <a:t>What’s In this module?</a:t>
+            </a:r>
+          </a:p>
+        </p:txBody>
+      </p:sp>
+      <p:sp>
+        <p:nvSpPr>
+          <p:cNvPr id="3" name="Content Placeholder 2">
+            <a:extLst>
+              <a:ext uri="{FF2B5EF4-FFF2-40B4-BE49-F238E27FC236}">
+                <a16:creationId xmlns:a16="http://schemas.microsoft.com/office/drawing/2014/main" id="{25A78421-B0D2-3BE5-511D-CBCF6319B5C6}"/>
+              </a:ext>
+            </a:extLst>
+          </p:cNvPr>
+          <p:cNvSpPr>
+            <a:spLocks noGrp="1"/>
+          </p:cNvSpPr>
+          <p:nvPr>
+            <p:ph idx="1"/>
+          </p:nvPr>
+        </p:nvSpPr>
+        <p:spPr/>
+        <p:txBody>
+          <a:bodyPr/>
+          <a:lstStyle/>
+          <a:p>
+            <a:r>
+              <a:rPr lang="en-US" dirty="0"/>
+              <a:t>Planning + REST API</a:t>
+            </a:r>
+          </a:p>
+          <a:p>
+            <a:r>
+              <a:rPr lang="en-US" dirty="0"/>
+              <a:t>CRUD Operations &amp; Endpoints</a:t>
+            </a:r>
+          </a:p>
+          <a:p>
+            <a:r>
+              <a:rPr lang="en-US" dirty="0"/>
+              <a:t>Validation</a:t>
+            </a:r>
+          </a:p>
+          <a:p>
+            <a:r>
+              <a:rPr lang="en-US" dirty="0"/>
+              <a:t>Image upload</a:t>
+            </a:r>
+          </a:p>
+          <a:p>
+            <a:r>
+              <a:rPr lang="en-US" dirty="0"/>
+              <a:t>authentication</a:t>
+            </a:r>
+          </a:p>
+        </p:txBody>
+      </p:sp>
+    </p:spTree>
+    <p:extLst>
+      <p:ext uri="{BB962C8B-B14F-4D97-AF65-F5344CB8AC3E}">
+        <p14:creationId xmlns:p14="http://schemas.microsoft.com/office/powerpoint/2010/main" val="2883596918"/>
+      </p:ext>
+    </p:extLst>
+  </p:cSld>
+  <p:clrMapOvr>
+    <a:masterClrMapping/>
+  </p:clrMapOvr>
+</p:sld>
+</file>
+
+<file path=ppt/slides/slide12.xml><?xml version="1.0" encoding="utf-8"?>
+<p:sld xmlns:a="http://schemas.openxmlformats.org/drawingml/2006/main" xmlns:r="http://schemas.openxmlformats.org/officeDocument/2006/relationships" xmlns:p="http://schemas.openxmlformats.org/presentationml/2006/main">
+  <p:cSld>
+    <p:spTree>
+      <p:nvGrpSpPr>
+        <p:cNvPr id="1" name=""/>
+        <p:cNvGrpSpPr/>
+        <p:nvPr/>
+      </p:nvGrpSpPr>
+      <p:grpSpPr>
+        <a:xfrm>
+          <a:off x="0" y="0"/>
+          <a:ext cx="0" cy="0"/>
+          <a:chOff x="0" y="0"/>
+          <a:chExt cx="0" cy="0"/>
+        </a:xfrm>
+      </p:grpSpPr>
+      <p:sp>
+        <p:nvSpPr>
+          <p:cNvPr id="2" name="Title 1">
+            <a:extLst>
+              <a:ext uri="{FF2B5EF4-FFF2-40B4-BE49-F238E27FC236}">
+                <a16:creationId xmlns:a16="http://schemas.microsoft.com/office/drawing/2014/main" id="{4B808CBD-F9D5-DBAB-0A5F-34BDBD6BAD93}"/>
+              </a:ext>
+            </a:extLst>
+          </p:cNvPr>
+          <p:cNvSpPr>
+            <a:spLocks noGrp="1"/>
+          </p:cNvSpPr>
+          <p:nvPr>
+            <p:ph type="title"/>
+          </p:nvPr>
+        </p:nvSpPr>
+        <p:spPr>
+          <a:xfrm>
+            <a:off x="199572" y="147416"/>
+            <a:ext cx="10515600" cy="609600"/>
+          </a:xfrm>
+        </p:spPr>
+        <p:txBody>
+          <a:bodyPr>
+            <a:normAutofit fontScale="90000"/>
+          </a:bodyPr>
+          <a:lstStyle/>
+          <a:p>
+            <a:r>
+              <a:rPr lang="en-US" dirty="0"/>
+              <a:t>REST &amp; The Rest of the Course</a:t>
+            </a:r>
+          </a:p>
+        </p:txBody>
+      </p:sp>
+      <p:sp>
+        <p:nvSpPr>
+          <p:cNvPr id="4" name="Rectangle 3">
+            <a:extLst>
+              <a:ext uri="{FF2B5EF4-FFF2-40B4-BE49-F238E27FC236}">
+                <a16:creationId xmlns:a16="http://schemas.microsoft.com/office/drawing/2014/main" id="{71A503AF-9334-A8FA-E1B0-E1AF341A50DE}"/>
+              </a:ext>
+            </a:extLst>
+          </p:cNvPr>
+          <p:cNvSpPr/>
+          <p:nvPr/>
+        </p:nvSpPr>
+        <p:spPr>
+          <a:xfrm>
+            <a:off x="319313" y="914401"/>
+            <a:ext cx="4615543" cy="609600"/>
+          </a:xfrm>
+          <a:prstGeom prst="rect">
+            <a:avLst/>
+          </a:prstGeom>
+          <a:solidFill>
+            <a:schemeClr val="accent1">
+              <a:lumMod val="50000"/>
+            </a:schemeClr>
+          </a:solidFill>
+        </p:spPr>
+        <p:style>
+          <a:lnRef idx="2">
+            <a:schemeClr val="accent1">
+              <a:shade val="50000"/>
+            </a:schemeClr>
+          </a:lnRef>
+          <a:fillRef idx="1">
+            <a:schemeClr val="accent1"/>
+          </a:fillRef>
+          <a:effectRef idx="0">
+            <a:schemeClr val="accent1"/>
+          </a:effectRef>
+          <a:fontRef idx="minor">
+            <a:schemeClr val="lt1"/>
+          </a:fontRef>
+        </p:style>
+        <p:txBody>
+          <a:bodyPr rtlCol="0" anchor="ctr"/>
+          <a:lstStyle/>
+          <a:p>
+            <a:pPr algn="ctr"/>
+            <a:r>
+              <a:rPr lang="en-US" dirty="0"/>
+              <a:t>Node + Express App Setup</a:t>
+            </a:r>
+          </a:p>
+        </p:txBody>
+      </p:sp>
+      <p:sp>
+        <p:nvSpPr>
+          <p:cNvPr id="5" name="Rectangle 4">
+            <a:extLst>
+              <a:ext uri="{FF2B5EF4-FFF2-40B4-BE49-F238E27FC236}">
+                <a16:creationId xmlns:a16="http://schemas.microsoft.com/office/drawing/2014/main" id="{9CC37018-D62A-611E-DB31-A6211CE31F7C}"/>
+              </a:ext>
+            </a:extLst>
+          </p:cNvPr>
+          <p:cNvSpPr/>
+          <p:nvPr/>
+        </p:nvSpPr>
+        <p:spPr>
+          <a:xfrm>
+            <a:off x="319312" y="1681386"/>
+            <a:ext cx="4615543" cy="609600"/>
+          </a:xfrm>
+          <a:prstGeom prst="rect">
+            <a:avLst/>
+          </a:prstGeom>
+          <a:solidFill>
+            <a:schemeClr val="accent1">
+              <a:lumMod val="50000"/>
+            </a:schemeClr>
+          </a:solidFill>
+        </p:spPr>
+        <p:style>
+          <a:lnRef idx="2">
+            <a:schemeClr val="accent1">
+              <a:shade val="50000"/>
+            </a:schemeClr>
+          </a:lnRef>
+          <a:fillRef idx="1">
+            <a:schemeClr val="accent1"/>
+          </a:fillRef>
+          <a:effectRef idx="0">
+            <a:schemeClr val="accent1"/>
+          </a:effectRef>
+          <a:fontRef idx="minor">
+            <a:schemeClr val="lt1"/>
+          </a:fontRef>
+        </p:style>
+        <p:txBody>
+          <a:bodyPr rtlCol="0" anchor="ctr"/>
+          <a:lstStyle/>
+          <a:p>
+            <a:pPr algn="ctr"/>
+            <a:r>
+              <a:rPr lang="en-US" dirty="0"/>
+              <a:t>Routing / Endpoints</a:t>
+            </a:r>
+          </a:p>
+        </p:txBody>
+      </p:sp>
+      <p:sp>
+        <p:nvSpPr>
+          <p:cNvPr id="6" name="Rectangle 5">
+            <a:extLst>
+              <a:ext uri="{FF2B5EF4-FFF2-40B4-BE49-F238E27FC236}">
+                <a16:creationId xmlns:a16="http://schemas.microsoft.com/office/drawing/2014/main" id="{6EB9C1B2-DD41-7502-E67D-6BAB620EB7DF}"/>
+              </a:ext>
+            </a:extLst>
+          </p:cNvPr>
+          <p:cNvSpPr/>
+          <p:nvPr/>
+        </p:nvSpPr>
+        <p:spPr>
+          <a:xfrm>
+            <a:off x="319312" y="2448371"/>
+            <a:ext cx="4615543" cy="609600"/>
+          </a:xfrm>
+          <a:prstGeom prst="rect">
+            <a:avLst/>
+          </a:prstGeom>
+          <a:solidFill>
+            <a:schemeClr val="accent1">
+              <a:lumMod val="50000"/>
+            </a:schemeClr>
+          </a:solidFill>
+        </p:spPr>
+        <p:style>
+          <a:lnRef idx="2">
+            <a:schemeClr val="accent1">
+              <a:shade val="50000"/>
+            </a:schemeClr>
+          </a:lnRef>
+          <a:fillRef idx="1">
+            <a:schemeClr val="accent1"/>
+          </a:fillRef>
+          <a:effectRef idx="0">
+            <a:schemeClr val="accent1"/>
+          </a:effectRef>
+          <a:fontRef idx="minor">
+            <a:schemeClr val="lt1"/>
+          </a:fontRef>
+        </p:style>
+        <p:txBody>
+          <a:bodyPr rtlCol="0" anchor="ctr"/>
+          <a:lstStyle/>
+          <a:p>
+            <a:pPr algn="ctr"/>
+            <a:r>
+              <a:rPr lang="en-US" dirty="0"/>
+              <a:t>Handling Requests &amp; Responses</a:t>
+            </a:r>
+          </a:p>
+        </p:txBody>
+      </p:sp>
+      <p:sp>
+        <p:nvSpPr>
+          <p:cNvPr id="7" name="Rectangle 6">
+            <a:extLst>
+              <a:ext uri="{FF2B5EF4-FFF2-40B4-BE49-F238E27FC236}">
+                <a16:creationId xmlns:a16="http://schemas.microsoft.com/office/drawing/2014/main" id="{3B0D6F9B-69DF-D020-8CA9-ED155A728AE8}"/>
+              </a:ext>
+            </a:extLst>
+          </p:cNvPr>
+          <p:cNvSpPr/>
+          <p:nvPr/>
+        </p:nvSpPr>
+        <p:spPr>
+          <a:xfrm>
+            <a:off x="319312" y="3215356"/>
+            <a:ext cx="4615543" cy="609600"/>
+          </a:xfrm>
+          <a:prstGeom prst="rect">
+            <a:avLst/>
+          </a:prstGeom>
+          <a:solidFill>
+            <a:schemeClr val="accent1">
+              <a:lumMod val="50000"/>
+            </a:schemeClr>
+          </a:solidFill>
+        </p:spPr>
+        <p:style>
+          <a:lnRef idx="2">
+            <a:schemeClr val="accent1">
+              <a:shade val="50000"/>
+            </a:schemeClr>
+          </a:lnRef>
+          <a:fillRef idx="1">
+            <a:schemeClr val="accent1"/>
+          </a:fillRef>
+          <a:effectRef idx="0">
+            <a:schemeClr val="accent1"/>
+          </a:effectRef>
+          <a:fontRef idx="minor">
+            <a:schemeClr val="lt1"/>
+          </a:fontRef>
+        </p:style>
+        <p:txBody>
+          <a:bodyPr rtlCol="0" anchor="ctr"/>
+          <a:lstStyle/>
+          <a:p>
+            <a:pPr algn="ctr"/>
+            <a:r>
+              <a:rPr lang="en-US" dirty="0"/>
+              <a:t>Request Validation</a:t>
+            </a:r>
+          </a:p>
+        </p:txBody>
+      </p:sp>
+      <p:sp>
+        <p:nvSpPr>
+          <p:cNvPr id="8" name="Rectangle 7">
+            <a:extLst>
+              <a:ext uri="{FF2B5EF4-FFF2-40B4-BE49-F238E27FC236}">
+                <a16:creationId xmlns:a16="http://schemas.microsoft.com/office/drawing/2014/main" id="{AEB6D62C-474B-AA5F-370A-BD3E32713536}"/>
+              </a:ext>
+            </a:extLst>
+          </p:cNvPr>
+          <p:cNvSpPr/>
+          <p:nvPr/>
+        </p:nvSpPr>
+        <p:spPr>
+          <a:xfrm>
+            <a:off x="319312" y="4019068"/>
+            <a:ext cx="4615543" cy="609600"/>
+          </a:xfrm>
+          <a:prstGeom prst="rect">
+            <a:avLst/>
+          </a:prstGeom>
+          <a:solidFill>
+            <a:schemeClr val="accent1">
+              <a:lumMod val="50000"/>
+            </a:schemeClr>
+          </a:solidFill>
+        </p:spPr>
+        <p:style>
+          <a:lnRef idx="2">
+            <a:schemeClr val="accent1">
+              <a:shade val="50000"/>
+            </a:schemeClr>
+          </a:lnRef>
+          <a:fillRef idx="1">
+            <a:schemeClr val="accent1"/>
+          </a:fillRef>
+          <a:effectRef idx="0">
+            <a:schemeClr val="accent1"/>
+          </a:effectRef>
+          <a:fontRef idx="minor">
+            <a:schemeClr val="lt1"/>
+          </a:fontRef>
+        </p:style>
+        <p:txBody>
+          <a:bodyPr rtlCol="0" anchor="ctr"/>
+          <a:lstStyle/>
+          <a:p>
+            <a:pPr algn="ctr"/>
+            <a:r>
+              <a:rPr lang="en-US" dirty="0"/>
+              <a:t>Database Communication</a:t>
+            </a:r>
+          </a:p>
+        </p:txBody>
+      </p:sp>
+      <p:sp>
+        <p:nvSpPr>
+          <p:cNvPr id="9" name="Rectangle 8">
+            <a:extLst>
+              <a:ext uri="{FF2B5EF4-FFF2-40B4-BE49-F238E27FC236}">
+                <a16:creationId xmlns:a16="http://schemas.microsoft.com/office/drawing/2014/main" id="{FA4CFC53-91F9-C407-41FE-F11CE24B7A3F}"/>
+              </a:ext>
+            </a:extLst>
+          </p:cNvPr>
+          <p:cNvSpPr/>
+          <p:nvPr/>
+        </p:nvSpPr>
+        <p:spPr>
+          <a:xfrm>
+            <a:off x="319312" y="4806878"/>
+            <a:ext cx="4615543" cy="609600"/>
+          </a:xfrm>
+          <a:prstGeom prst="rect">
+            <a:avLst/>
+          </a:prstGeom>
+          <a:solidFill>
+            <a:schemeClr val="accent1">
+              <a:lumMod val="50000"/>
+            </a:schemeClr>
+          </a:solidFill>
+        </p:spPr>
+        <p:style>
+          <a:lnRef idx="2">
+            <a:schemeClr val="accent1">
+              <a:shade val="50000"/>
+            </a:schemeClr>
+          </a:lnRef>
+          <a:fillRef idx="1">
+            <a:schemeClr val="accent1"/>
+          </a:fillRef>
+          <a:effectRef idx="0">
+            <a:schemeClr val="accent1"/>
+          </a:effectRef>
+          <a:fontRef idx="minor">
+            <a:schemeClr val="lt1"/>
+          </a:fontRef>
+        </p:style>
+        <p:txBody>
+          <a:bodyPr rtlCol="0" anchor="ctr"/>
+          <a:lstStyle/>
+          <a:p>
+            <a:pPr algn="ctr"/>
+            <a:r>
+              <a:rPr lang="en-US" dirty="0"/>
+              <a:t>Files, Uploads, Downloads</a:t>
+            </a:r>
+          </a:p>
+        </p:txBody>
+      </p:sp>
+      <p:sp>
+        <p:nvSpPr>
+          <p:cNvPr id="10" name="Rectangle 9">
+            <a:extLst>
+              <a:ext uri="{FF2B5EF4-FFF2-40B4-BE49-F238E27FC236}">
+                <a16:creationId xmlns:a16="http://schemas.microsoft.com/office/drawing/2014/main" id="{783622BA-6679-8E27-B6F6-C4F91C19D533}"/>
+              </a:ext>
+            </a:extLst>
+          </p:cNvPr>
+          <p:cNvSpPr/>
+          <p:nvPr/>
+        </p:nvSpPr>
+        <p:spPr>
+          <a:xfrm>
+            <a:off x="319312" y="5513092"/>
+            <a:ext cx="4615543" cy="609600"/>
+          </a:xfrm>
+          <a:prstGeom prst="rect">
+            <a:avLst/>
+          </a:prstGeom>
+          <a:solidFill>
+            <a:schemeClr val="accent1">
+              <a:lumMod val="50000"/>
+            </a:schemeClr>
+          </a:solidFill>
+        </p:spPr>
+        <p:style>
+          <a:lnRef idx="2">
+            <a:schemeClr val="accent1">
+              <a:shade val="50000"/>
+            </a:schemeClr>
+          </a:lnRef>
+          <a:fillRef idx="1">
+            <a:schemeClr val="accent1"/>
+          </a:fillRef>
+          <a:effectRef idx="0">
+            <a:schemeClr val="accent1"/>
+          </a:effectRef>
+          <a:fontRef idx="minor">
+            <a:schemeClr val="lt1"/>
+          </a:fontRef>
+        </p:style>
+        <p:txBody>
+          <a:bodyPr rtlCol="0" anchor="ctr"/>
+          <a:lstStyle/>
+          <a:p>
+            <a:pPr algn="ctr"/>
+            <a:r>
+              <a:rPr lang="en-US" dirty="0"/>
+              <a:t>Sessions &amp; Cookies</a:t>
+            </a:r>
+          </a:p>
+        </p:txBody>
+      </p:sp>
+      <p:sp>
+        <p:nvSpPr>
+          <p:cNvPr id="11" name="Rectangle 10">
+            <a:extLst>
+              <a:ext uri="{FF2B5EF4-FFF2-40B4-BE49-F238E27FC236}">
+                <a16:creationId xmlns:a16="http://schemas.microsoft.com/office/drawing/2014/main" id="{4FF82C50-B8F7-2661-79FF-285AB4934D8C}"/>
+              </a:ext>
+            </a:extLst>
+          </p:cNvPr>
+          <p:cNvSpPr/>
+          <p:nvPr/>
+        </p:nvSpPr>
+        <p:spPr>
+          <a:xfrm>
+            <a:off x="319312" y="6180748"/>
+            <a:ext cx="4615543" cy="609600"/>
+          </a:xfrm>
+          <a:prstGeom prst="rect">
+            <a:avLst/>
+          </a:prstGeom>
+          <a:solidFill>
+            <a:schemeClr val="accent1">
+              <a:lumMod val="50000"/>
+            </a:schemeClr>
+          </a:solidFill>
+        </p:spPr>
+        <p:style>
+          <a:lnRef idx="2">
+            <a:schemeClr val="accent1">
+              <a:shade val="50000"/>
+            </a:schemeClr>
+          </a:lnRef>
+          <a:fillRef idx="1">
+            <a:schemeClr val="accent1"/>
+          </a:fillRef>
+          <a:effectRef idx="0">
+            <a:schemeClr val="accent1"/>
+          </a:effectRef>
+          <a:fontRef idx="minor">
+            <a:schemeClr val="lt1"/>
+          </a:fontRef>
+        </p:style>
+        <p:txBody>
+          <a:bodyPr rtlCol="0" anchor="ctr"/>
+          <a:lstStyle/>
+          <a:p>
+            <a:pPr algn="ctr"/>
+            <a:r>
+              <a:rPr lang="en-US" dirty="0"/>
+              <a:t>Authentication</a:t>
+            </a:r>
+          </a:p>
+        </p:txBody>
+      </p:sp>
+      <p:sp>
+        <p:nvSpPr>
+          <p:cNvPr id="12" name="Rectangle 11">
+            <a:extLst>
+              <a:ext uri="{FF2B5EF4-FFF2-40B4-BE49-F238E27FC236}">
+                <a16:creationId xmlns:a16="http://schemas.microsoft.com/office/drawing/2014/main" id="{0CE65C2F-291A-AE6E-861E-41B77AA437D0}"/>
+              </a:ext>
+            </a:extLst>
+          </p:cNvPr>
+          <p:cNvSpPr/>
+          <p:nvPr/>
+        </p:nvSpPr>
+        <p:spPr>
+          <a:xfrm>
+            <a:off x="7257144" y="914401"/>
+            <a:ext cx="4615543" cy="609600"/>
+          </a:xfrm>
+          <a:prstGeom prst="rect">
+            <a:avLst/>
+          </a:prstGeom>
+          <a:solidFill>
+            <a:schemeClr val="accent4">
+              <a:lumMod val="40000"/>
+              <a:lumOff val="60000"/>
+            </a:schemeClr>
+          </a:solidFill>
+        </p:spPr>
+        <p:style>
+          <a:lnRef idx="2">
+            <a:schemeClr val="accent1">
+              <a:shade val="50000"/>
+            </a:schemeClr>
+          </a:lnRef>
+          <a:fillRef idx="1">
+            <a:schemeClr val="accent1"/>
+          </a:fillRef>
+          <a:effectRef idx="0">
+            <a:schemeClr val="accent1"/>
+          </a:effectRef>
+          <a:fontRef idx="minor">
+            <a:schemeClr val="lt1"/>
+          </a:fontRef>
+        </p:style>
+        <p:txBody>
+          <a:bodyPr rtlCol="0" anchor="ctr"/>
+          <a:lstStyle/>
+          <a:p>
+            <a:pPr algn="ctr"/>
+            <a:r>
+              <a:rPr lang="en-US" dirty="0">
+                <a:ln w="0"/>
+                <a:solidFill>
+                  <a:schemeClr val="tx1"/>
+                </a:solidFill>
+                <a:effectLst>
+                  <a:outerShdw blurRad="38100" dist="19050" dir="2700000" algn="tl" rotWithShape="0">
+                    <a:schemeClr val="dk1">
+                      <a:alpha val="40000"/>
+                    </a:schemeClr>
+                  </a:outerShdw>
+                </a:effectLst>
+              </a:rPr>
+              <a:t>No changes</a:t>
+            </a:r>
+          </a:p>
+        </p:txBody>
+      </p:sp>
+      <p:sp>
+        <p:nvSpPr>
+          <p:cNvPr id="13" name="Rectangle 12">
+            <a:extLst>
+              <a:ext uri="{FF2B5EF4-FFF2-40B4-BE49-F238E27FC236}">
+                <a16:creationId xmlns:a16="http://schemas.microsoft.com/office/drawing/2014/main" id="{9C89C449-A264-BB57-5476-81739CFF834F}"/>
+              </a:ext>
+            </a:extLst>
+          </p:cNvPr>
+          <p:cNvSpPr/>
+          <p:nvPr/>
+        </p:nvSpPr>
+        <p:spPr>
+          <a:xfrm>
+            <a:off x="7257143" y="1681386"/>
+            <a:ext cx="4615543" cy="609600"/>
+          </a:xfrm>
+          <a:prstGeom prst="rect">
+            <a:avLst/>
+          </a:prstGeom>
+          <a:solidFill>
+            <a:schemeClr val="accent4">
+              <a:lumMod val="40000"/>
+              <a:lumOff val="60000"/>
+            </a:schemeClr>
+          </a:solidFill>
+        </p:spPr>
+        <p:style>
+          <a:lnRef idx="2">
+            <a:schemeClr val="accent1">
+              <a:shade val="50000"/>
+            </a:schemeClr>
+          </a:lnRef>
+          <a:fillRef idx="1">
+            <a:schemeClr val="accent1"/>
+          </a:fillRef>
+          <a:effectRef idx="0">
+            <a:schemeClr val="accent1"/>
+          </a:effectRef>
+          <a:fontRef idx="minor">
+            <a:schemeClr val="lt1"/>
+          </a:fontRef>
+        </p:style>
+        <p:txBody>
+          <a:bodyPr rtlCol="0" anchor="ctr"/>
+          <a:lstStyle/>
+          <a:p>
+            <a:pPr algn="ctr"/>
+            <a:r>
+              <a:rPr lang="en-US" dirty="0">
+                <a:ln w="0"/>
+                <a:solidFill>
+                  <a:schemeClr val="tx1"/>
+                </a:solidFill>
+                <a:effectLst>
+                  <a:outerShdw blurRad="38100" dist="19050" dir="2700000" algn="tl" rotWithShape="0">
+                    <a:schemeClr val="dk1">
+                      <a:alpha val="40000"/>
+                    </a:schemeClr>
+                  </a:outerShdw>
+                </a:effectLst>
+              </a:rPr>
+              <a:t>No real changes, more Http methods</a:t>
+            </a:r>
+          </a:p>
+        </p:txBody>
+      </p:sp>
+      <p:sp>
+        <p:nvSpPr>
+          <p:cNvPr id="14" name="Rectangle 13">
+            <a:extLst>
+              <a:ext uri="{FF2B5EF4-FFF2-40B4-BE49-F238E27FC236}">
+                <a16:creationId xmlns:a16="http://schemas.microsoft.com/office/drawing/2014/main" id="{B00579C9-FFED-9B0E-0FCA-E942FE61D072}"/>
+              </a:ext>
+            </a:extLst>
+          </p:cNvPr>
+          <p:cNvSpPr/>
+          <p:nvPr/>
+        </p:nvSpPr>
+        <p:spPr>
+          <a:xfrm>
+            <a:off x="7257143" y="2448371"/>
+            <a:ext cx="4615543" cy="609600"/>
+          </a:xfrm>
+          <a:prstGeom prst="rect">
+            <a:avLst/>
+          </a:prstGeom>
+          <a:solidFill>
+            <a:schemeClr val="accent4">
+              <a:lumMod val="50000"/>
+            </a:schemeClr>
+          </a:solidFill>
+        </p:spPr>
+        <p:style>
+          <a:lnRef idx="2">
+            <a:schemeClr val="accent1">
+              <a:shade val="50000"/>
+            </a:schemeClr>
+          </a:lnRef>
+          <a:fillRef idx="1">
+            <a:schemeClr val="accent1"/>
+          </a:fillRef>
+          <a:effectRef idx="0">
+            <a:schemeClr val="accent1"/>
+          </a:effectRef>
+          <a:fontRef idx="minor">
+            <a:schemeClr val="lt1"/>
+          </a:fontRef>
+        </p:style>
+        <p:txBody>
+          <a:bodyPr rtlCol="0" anchor="ctr"/>
+          <a:lstStyle/>
+          <a:p>
+            <a:pPr algn="ctr"/>
+            <a:r>
+              <a:rPr lang="en-US" dirty="0">
+                <a:ln w="0"/>
+                <a:solidFill>
+                  <a:schemeClr val="bg1"/>
+                </a:solidFill>
+                <a:effectLst>
+                  <a:outerShdw blurRad="38100" dist="19050" dir="2700000" algn="tl" rotWithShape="0">
+                    <a:schemeClr val="dk1">
+                      <a:alpha val="40000"/>
+                    </a:schemeClr>
+                  </a:outerShdw>
+                </a:effectLst>
+              </a:rPr>
+              <a:t>Parse + Send JSON Data, no Views</a:t>
+            </a:r>
+          </a:p>
+        </p:txBody>
+      </p:sp>
+      <p:sp>
+        <p:nvSpPr>
+          <p:cNvPr id="15" name="Rectangle 14">
+            <a:extLst>
+              <a:ext uri="{FF2B5EF4-FFF2-40B4-BE49-F238E27FC236}">
+                <a16:creationId xmlns:a16="http://schemas.microsoft.com/office/drawing/2014/main" id="{300FCDA7-5FEB-1515-F5EA-9D7A5FFA9780}"/>
+              </a:ext>
+            </a:extLst>
+          </p:cNvPr>
+          <p:cNvSpPr/>
+          <p:nvPr/>
+        </p:nvSpPr>
+        <p:spPr>
+          <a:xfrm>
+            <a:off x="7257143" y="3215356"/>
+            <a:ext cx="4615543" cy="609600"/>
+          </a:xfrm>
+          <a:prstGeom prst="rect">
+            <a:avLst/>
+          </a:prstGeom>
+          <a:solidFill>
+            <a:schemeClr val="accent4">
+              <a:lumMod val="40000"/>
+              <a:lumOff val="60000"/>
+            </a:schemeClr>
+          </a:solidFill>
+        </p:spPr>
+        <p:style>
+          <a:lnRef idx="2">
+            <a:schemeClr val="accent1">
+              <a:shade val="50000"/>
+            </a:schemeClr>
+          </a:lnRef>
+          <a:fillRef idx="1">
+            <a:schemeClr val="accent1"/>
+          </a:fillRef>
+          <a:effectRef idx="0">
+            <a:schemeClr val="accent1"/>
+          </a:effectRef>
+          <a:fontRef idx="minor">
+            <a:schemeClr val="lt1"/>
+          </a:fontRef>
+        </p:style>
+        <p:txBody>
+          <a:bodyPr rtlCol="0" anchor="ctr"/>
+          <a:lstStyle/>
+          <a:p>
+            <a:pPr algn="ctr"/>
+            <a:r>
+              <a:rPr lang="en-US" dirty="0">
+                <a:ln w="0"/>
+                <a:solidFill>
+                  <a:schemeClr val="tx1"/>
+                </a:solidFill>
+                <a:effectLst>
+                  <a:outerShdw blurRad="38100" dist="19050" dir="2700000" algn="tl" rotWithShape="0">
+                    <a:schemeClr val="dk1">
+                      <a:alpha val="40000"/>
+                    </a:schemeClr>
+                  </a:outerShdw>
+                </a:effectLst>
+              </a:rPr>
+              <a:t>No Changes</a:t>
+            </a:r>
+          </a:p>
+        </p:txBody>
+      </p:sp>
+      <p:sp>
+        <p:nvSpPr>
+          <p:cNvPr id="16" name="Rectangle 15">
+            <a:extLst>
+              <a:ext uri="{FF2B5EF4-FFF2-40B4-BE49-F238E27FC236}">
+                <a16:creationId xmlns:a16="http://schemas.microsoft.com/office/drawing/2014/main" id="{D4BED6AC-31B7-A962-7DD4-FEE35472BF41}"/>
+              </a:ext>
+            </a:extLst>
+          </p:cNvPr>
+          <p:cNvSpPr/>
+          <p:nvPr/>
+        </p:nvSpPr>
+        <p:spPr>
+          <a:xfrm>
+            <a:off x="7257143" y="4019068"/>
+            <a:ext cx="4615543" cy="609600"/>
+          </a:xfrm>
+          <a:prstGeom prst="rect">
+            <a:avLst/>
+          </a:prstGeom>
+          <a:solidFill>
+            <a:schemeClr val="accent4">
+              <a:lumMod val="40000"/>
+              <a:lumOff val="60000"/>
+            </a:schemeClr>
+          </a:solidFill>
+        </p:spPr>
+        <p:style>
+          <a:lnRef idx="2">
+            <a:schemeClr val="accent1">
+              <a:shade val="50000"/>
+            </a:schemeClr>
+          </a:lnRef>
+          <a:fillRef idx="1">
+            <a:schemeClr val="accent1"/>
+          </a:fillRef>
+          <a:effectRef idx="0">
+            <a:schemeClr val="accent1"/>
+          </a:effectRef>
+          <a:fontRef idx="minor">
+            <a:schemeClr val="lt1"/>
+          </a:fontRef>
+        </p:style>
+        <p:txBody>
+          <a:bodyPr rtlCol="0" anchor="ctr"/>
+          <a:lstStyle/>
+          <a:p>
+            <a:pPr algn="ctr"/>
+            <a:r>
+              <a:rPr lang="en-US" dirty="0">
+                <a:ln w="0"/>
+                <a:solidFill>
+                  <a:schemeClr val="tx1"/>
+                </a:solidFill>
+                <a:effectLst>
+                  <a:outerShdw blurRad="38100" dist="19050" dir="2700000" algn="tl" rotWithShape="0">
+                    <a:schemeClr val="dk1">
+                      <a:alpha val="40000"/>
+                    </a:schemeClr>
+                  </a:outerShdw>
+                </a:effectLst>
+              </a:rPr>
+              <a:t>No Changes</a:t>
+            </a:r>
+          </a:p>
+        </p:txBody>
+      </p:sp>
+      <p:sp>
+        <p:nvSpPr>
+          <p:cNvPr id="17" name="Rectangle 16">
+            <a:extLst>
+              <a:ext uri="{FF2B5EF4-FFF2-40B4-BE49-F238E27FC236}">
+                <a16:creationId xmlns:a16="http://schemas.microsoft.com/office/drawing/2014/main" id="{F7D63209-F17E-FB19-FB3C-7E583DC42318}"/>
+              </a:ext>
+            </a:extLst>
+          </p:cNvPr>
+          <p:cNvSpPr/>
+          <p:nvPr/>
+        </p:nvSpPr>
+        <p:spPr>
+          <a:xfrm>
+            <a:off x="7257143" y="4806878"/>
+            <a:ext cx="4615543" cy="609600"/>
+          </a:xfrm>
+          <a:prstGeom prst="rect">
+            <a:avLst/>
+          </a:prstGeom>
+          <a:solidFill>
+            <a:schemeClr val="accent4">
+              <a:lumMod val="40000"/>
+              <a:lumOff val="60000"/>
+            </a:schemeClr>
+          </a:solidFill>
+        </p:spPr>
+        <p:style>
+          <a:lnRef idx="2">
+            <a:schemeClr val="accent1">
+              <a:shade val="50000"/>
+            </a:schemeClr>
+          </a:lnRef>
+          <a:fillRef idx="1">
+            <a:schemeClr val="accent1"/>
+          </a:fillRef>
+          <a:effectRef idx="0">
+            <a:schemeClr val="accent1"/>
+          </a:effectRef>
+          <a:fontRef idx="minor">
+            <a:schemeClr val="lt1"/>
+          </a:fontRef>
+        </p:style>
+        <p:txBody>
+          <a:bodyPr rtlCol="0" anchor="ctr"/>
+          <a:lstStyle/>
+          <a:p>
+            <a:pPr algn="ctr"/>
+            <a:r>
+              <a:rPr lang="en-US" dirty="0">
+                <a:ln w="0"/>
+                <a:solidFill>
+                  <a:schemeClr val="tx1"/>
+                </a:solidFill>
+                <a:effectLst>
+                  <a:outerShdw blurRad="38100" dist="19050" dir="2700000" algn="tl" rotWithShape="0">
+                    <a:schemeClr val="dk1">
+                      <a:alpha val="40000"/>
+                    </a:schemeClr>
+                  </a:outerShdw>
+                </a:effectLst>
+              </a:rPr>
+              <a:t>No changes (only on client-side)</a:t>
+            </a:r>
+          </a:p>
+        </p:txBody>
+      </p:sp>
+      <p:sp>
+        <p:nvSpPr>
+          <p:cNvPr id="18" name="Rectangle 17">
+            <a:extLst>
+              <a:ext uri="{FF2B5EF4-FFF2-40B4-BE49-F238E27FC236}">
+                <a16:creationId xmlns:a16="http://schemas.microsoft.com/office/drawing/2014/main" id="{196E8901-C009-A3DA-6E3F-F59A17C7C241}"/>
+              </a:ext>
+            </a:extLst>
+          </p:cNvPr>
+          <p:cNvSpPr/>
+          <p:nvPr/>
+        </p:nvSpPr>
+        <p:spPr>
+          <a:xfrm>
+            <a:off x="7257143" y="5513092"/>
+            <a:ext cx="4615543" cy="609600"/>
+          </a:xfrm>
+          <a:prstGeom prst="rect">
+            <a:avLst/>
+          </a:prstGeom>
+          <a:solidFill>
+            <a:schemeClr val="accent4">
+              <a:lumMod val="50000"/>
+            </a:schemeClr>
+          </a:solidFill>
+        </p:spPr>
+        <p:style>
+          <a:lnRef idx="2">
+            <a:schemeClr val="accent1">
+              <a:shade val="50000"/>
+            </a:schemeClr>
+          </a:lnRef>
+          <a:fillRef idx="1">
+            <a:schemeClr val="accent1"/>
+          </a:fillRef>
+          <a:effectRef idx="0">
+            <a:schemeClr val="accent1"/>
+          </a:effectRef>
+          <a:fontRef idx="minor">
+            <a:schemeClr val="lt1"/>
+          </a:fontRef>
+        </p:style>
+        <p:txBody>
+          <a:bodyPr rtlCol="0" anchor="ctr"/>
+          <a:lstStyle/>
+          <a:p>
+            <a:pPr algn="ctr"/>
+            <a:r>
+              <a:rPr lang="en-US" dirty="0">
+                <a:ln w="0"/>
+                <a:solidFill>
+                  <a:schemeClr val="tx1"/>
+                </a:solidFill>
+                <a:effectLst>
+                  <a:outerShdw blurRad="38100" dist="19050" dir="2700000" algn="tl" rotWithShape="0">
+                    <a:schemeClr val="dk1">
+                      <a:alpha val="40000"/>
+                    </a:schemeClr>
+                  </a:outerShdw>
+                </a:effectLst>
+              </a:rPr>
+              <a:t>No Session &amp; Cookie Usage</a:t>
+            </a:r>
+          </a:p>
+        </p:txBody>
+      </p:sp>
+      <p:sp>
+        <p:nvSpPr>
+          <p:cNvPr id="19" name="Rectangle 18">
+            <a:extLst>
+              <a:ext uri="{FF2B5EF4-FFF2-40B4-BE49-F238E27FC236}">
+                <a16:creationId xmlns:a16="http://schemas.microsoft.com/office/drawing/2014/main" id="{649986C6-2AB4-803F-DC72-371135FC70DA}"/>
+              </a:ext>
+            </a:extLst>
+          </p:cNvPr>
+          <p:cNvSpPr/>
+          <p:nvPr/>
+        </p:nvSpPr>
+        <p:spPr>
+          <a:xfrm>
+            <a:off x="7257143" y="6180748"/>
+            <a:ext cx="4615543" cy="609600"/>
+          </a:xfrm>
+          <a:prstGeom prst="rect">
+            <a:avLst/>
+          </a:prstGeom>
+          <a:solidFill>
+            <a:schemeClr val="accent4">
+              <a:lumMod val="50000"/>
+            </a:schemeClr>
+          </a:solidFill>
+        </p:spPr>
+        <p:style>
+          <a:lnRef idx="2">
+            <a:schemeClr val="accent1">
+              <a:shade val="50000"/>
+            </a:schemeClr>
+          </a:lnRef>
+          <a:fillRef idx="1">
+            <a:schemeClr val="accent1"/>
+          </a:fillRef>
+          <a:effectRef idx="0">
+            <a:schemeClr val="accent1"/>
+          </a:effectRef>
+          <a:fontRef idx="minor">
+            <a:schemeClr val="lt1"/>
+          </a:fontRef>
+        </p:style>
+        <p:txBody>
+          <a:bodyPr rtlCol="0" anchor="ctr"/>
+          <a:lstStyle/>
+          <a:p>
+            <a:pPr algn="ctr"/>
+            <a:r>
+              <a:rPr lang="en-US" dirty="0">
+                <a:ln w="0"/>
+                <a:solidFill>
+                  <a:schemeClr val="tx1"/>
+                </a:solidFill>
+                <a:effectLst>
+                  <a:outerShdw blurRad="38100" dist="19050" dir="2700000" algn="tl" rotWithShape="0">
+                    <a:schemeClr val="dk1">
+                      <a:alpha val="40000"/>
+                    </a:schemeClr>
+                  </a:outerShdw>
+                </a:effectLst>
+              </a:rPr>
+              <a:t>Different Authentication Approach</a:t>
+            </a:r>
+          </a:p>
+        </p:txBody>
+      </p:sp>
+      <p:sp>
+        <p:nvSpPr>
+          <p:cNvPr id="20" name="Arrow: Right 19">
+            <a:extLst>
+              <a:ext uri="{FF2B5EF4-FFF2-40B4-BE49-F238E27FC236}">
+                <a16:creationId xmlns:a16="http://schemas.microsoft.com/office/drawing/2014/main" id="{7A0AEE3D-EEB3-5F5F-7DE2-4435A1B0D9DB}"/>
+              </a:ext>
+            </a:extLst>
+          </p:cNvPr>
+          <p:cNvSpPr/>
+          <p:nvPr/>
+        </p:nvSpPr>
+        <p:spPr>
+          <a:xfrm>
+            <a:off x="5152571" y="1088571"/>
+            <a:ext cx="1654629" cy="435430"/>
+          </a:xfrm>
+          <a:prstGeom prst="rightArrow">
+            <a:avLst/>
+          </a:prstGeom>
+        </p:spPr>
+        <p:style>
+          <a:lnRef idx="2">
+            <a:schemeClr val="accent1">
+              <a:shade val="50000"/>
+            </a:schemeClr>
+          </a:lnRef>
+          <a:fillRef idx="1">
+            <a:schemeClr val="accent1"/>
+          </a:fillRef>
+          <a:effectRef idx="0">
+            <a:schemeClr val="accent1"/>
+          </a:effectRef>
+          <a:fontRef idx="minor">
+            <a:schemeClr val="lt1"/>
+          </a:fontRef>
+        </p:style>
+        <p:txBody>
+          <a:bodyPr rtlCol="0" anchor="ctr"/>
+          <a:lstStyle/>
+          <a:p>
+            <a:pPr algn="ctr"/>
+            <a:endParaRPr lang="en-US"/>
+          </a:p>
+        </p:txBody>
+      </p:sp>
+      <p:sp>
+        <p:nvSpPr>
+          <p:cNvPr id="21" name="Arrow: Right 20">
+            <a:extLst>
+              <a:ext uri="{FF2B5EF4-FFF2-40B4-BE49-F238E27FC236}">
+                <a16:creationId xmlns:a16="http://schemas.microsoft.com/office/drawing/2014/main" id="{4B20FCC2-17CF-B3F2-CBF2-9683BC4FFEA8}"/>
+              </a:ext>
+            </a:extLst>
+          </p:cNvPr>
+          <p:cNvSpPr/>
+          <p:nvPr/>
+        </p:nvSpPr>
+        <p:spPr>
+          <a:xfrm>
+            <a:off x="5152570" y="1790241"/>
+            <a:ext cx="1654629" cy="435430"/>
+          </a:xfrm>
+          <a:prstGeom prst="rightArrow">
+            <a:avLst/>
+          </a:prstGeom>
+        </p:spPr>
+        <p:style>
+          <a:lnRef idx="2">
+            <a:schemeClr val="accent1">
+              <a:shade val="50000"/>
+            </a:schemeClr>
+          </a:lnRef>
+          <a:fillRef idx="1">
+            <a:schemeClr val="accent1"/>
+          </a:fillRef>
+          <a:effectRef idx="0">
+            <a:schemeClr val="accent1"/>
+          </a:effectRef>
+          <a:fontRef idx="minor">
+            <a:schemeClr val="lt1"/>
+          </a:fontRef>
+        </p:style>
+        <p:txBody>
+          <a:bodyPr rtlCol="0" anchor="ctr"/>
+          <a:lstStyle/>
+          <a:p>
+            <a:pPr algn="ctr"/>
+            <a:endParaRPr lang="en-US"/>
+          </a:p>
+        </p:txBody>
+      </p:sp>
+      <p:sp>
+        <p:nvSpPr>
+          <p:cNvPr id="22" name="Arrow: Right 21">
+            <a:extLst>
+              <a:ext uri="{FF2B5EF4-FFF2-40B4-BE49-F238E27FC236}">
+                <a16:creationId xmlns:a16="http://schemas.microsoft.com/office/drawing/2014/main" id="{4BB2903B-C125-0764-B6AA-2D2998413166}"/>
+              </a:ext>
+            </a:extLst>
+          </p:cNvPr>
+          <p:cNvSpPr/>
+          <p:nvPr/>
+        </p:nvSpPr>
+        <p:spPr>
+          <a:xfrm>
+            <a:off x="5152570" y="2486894"/>
+            <a:ext cx="1654629" cy="435430"/>
+          </a:xfrm>
+          <a:prstGeom prst="rightArrow">
+            <a:avLst/>
+          </a:prstGeom>
+        </p:spPr>
+        <p:style>
+          <a:lnRef idx="2">
+            <a:schemeClr val="accent1">
+              <a:shade val="50000"/>
+            </a:schemeClr>
+          </a:lnRef>
+          <a:fillRef idx="1">
+            <a:schemeClr val="accent1"/>
+          </a:fillRef>
+          <a:effectRef idx="0">
+            <a:schemeClr val="accent1"/>
+          </a:effectRef>
+          <a:fontRef idx="minor">
+            <a:schemeClr val="lt1"/>
+          </a:fontRef>
+        </p:style>
+        <p:txBody>
+          <a:bodyPr rtlCol="0" anchor="ctr"/>
+          <a:lstStyle/>
+          <a:p>
+            <a:pPr algn="ctr"/>
+            <a:endParaRPr lang="en-US"/>
+          </a:p>
+        </p:txBody>
+      </p:sp>
+      <p:sp>
+        <p:nvSpPr>
+          <p:cNvPr id="23" name="Arrow: Right 22">
+            <a:extLst>
+              <a:ext uri="{FF2B5EF4-FFF2-40B4-BE49-F238E27FC236}">
+                <a16:creationId xmlns:a16="http://schemas.microsoft.com/office/drawing/2014/main" id="{8512BFD1-B2BE-C989-ABF7-9159FE666EE1}"/>
+              </a:ext>
+            </a:extLst>
+          </p:cNvPr>
+          <p:cNvSpPr/>
+          <p:nvPr/>
+        </p:nvSpPr>
+        <p:spPr>
+          <a:xfrm>
+            <a:off x="5152570" y="3263848"/>
+            <a:ext cx="1654629" cy="435430"/>
+          </a:xfrm>
+          <a:prstGeom prst="rightArrow">
+            <a:avLst/>
+          </a:prstGeom>
+        </p:spPr>
+        <p:style>
+          <a:lnRef idx="2">
+            <a:schemeClr val="accent1">
+              <a:shade val="50000"/>
+            </a:schemeClr>
+          </a:lnRef>
+          <a:fillRef idx="1">
+            <a:schemeClr val="accent1"/>
+          </a:fillRef>
+          <a:effectRef idx="0">
+            <a:schemeClr val="accent1"/>
+          </a:effectRef>
+          <a:fontRef idx="minor">
+            <a:schemeClr val="lt1"/>
+          </a:fontRef>
+        </p:style>
+        <p:txBody>
+          <a:bodyPr rtlCol="0" anchor="ctr"/>
+          <a:lstStyle/>
+          <a:p>
+            <a:pPr algn="ctr"/>
+            <a:endParaRPr lang="en-US"/>
+          </a:p>
+        </p:txBody>
+      </p:sp>
+      <p:sp>
+        <p:nvSpPr>
+          <p:cNvPr id="24" name="Arrow: Right 23">
+            <a:extLst>
+              <a:ext uri="{FF2B5EF4-FFF2-40B4-BE49-F238E27FC236}">
+                <a16:creationId xmlns:a16="http://schemas.microsoft.com/office/drawing/2014/main" id="{B05F01C7-873C-32AF-E048-D8C59D80174D}"/>
+              </a:ext>
+            </a:extLst>
+          </p:cNvPr>
+          <p:cNvSpPr/>
+          <p:nvPr/>
+        </p:nvSpPr>
+        <p:spPr>
+          <a:xfrm>
+            <a:off x="5152571" y="4168755"/>
+            <a:ext cx="1654629" cy="435430"/>
+          </a:xfrm>
+          <a:prstGeom prst="rightArrow">
+            <a:avLst/>
+          </a:prstGeom>
+        </p:spPr>
+        <p:style>
+          <a:lnRef idx="2">
+            <a:schemeClr val="accent1">
+              <a:shade val="50000"/>
+            </a:schemeClr>
+          </a:lnRef>
+          <a:fillRef idx="1">
+            <a:schemeClr val="accent1"/>
+          </a:fillRef>
+          <a:effectRef idx="0">
+            <a:schemeClr val="accent1"/>
+          </a:effectRef>
+          <a:fontRef idx="minor">
+            <a:schemeClr val="lt1"/>
+          </a:fontRef>
+        </p:style>
+        <p:txBody>
+          <a:bodyPr rtlCol="0" anchor="ctr"/>
+          <a:lstStyle/>
+          <a:p>
+            <a:pPr algn="ctr"/>
+            <a:endParaRPr lang="en-US"/>
+          </a:p>
+        </p:txBody>
+      </p:sp>
+      <p:sp>
+        <p:nvSpPr>
+          <p:cNvPr id="25" name="Arrow: Right 24">
+            <a:extLst>
+              <a:ext uri="{FF2B5EF4-FFF2-40B4-BE49-F238E27FC236}">
+                <a16:creationId xmlns:a16="http://schemas.microsoft.com/office/drawing/2014/main" id="{3546ED7A-3A79-D155-B5B4-1CA5A3D9A0E4}"/>
+              </a:ext>
+            </a:extLst>
+          </p:cNvPr>
+          <p:cNvSpPr/>
+          <p:nvPr/>
+        </p:nvSpPr>
+        <p:spPr>
+          <a:xfrm>
+            <a:off x="5152570" y="4870425"/>
+            <a:ext cx="1654629" cy="435430"/>
+          </a:xfrm>
+          <a:prstGeom prst="rightArrow">
+            <a:avLst/>
+          </a:prstGeom>
+        </p:spPr>
+        <p:style>
+          <a:lnRef idx="2">
+            <a:schemeClr val="accent1">
+              <a:shade val="50000"/>
+            </a:schemeClr>
+          </a:lnRef>
+          <a:fillRef idx="1">
+            <a:schemeClr val="accent1"/>
+          </a:fillRef>
+          <a:effectRef idx="0">
+            <a:schemeClr val="accent1"/>
+          </a:effectRef>
+          <a:fontRef idx="minor">
+            <a:schemeClr val="lt1"/>
+          </a:fontRef>
+        </p:style>
+        <p:txBody>
+          <a:bodyPr rtlCol="0" anchor="ctr"/>
+          <a:lstStyle/>
+          <a:p>
+            <a:pPr algn="ctr"/>
+            <a:endParaRPr lang="en-US"/>
+          </a:p>
+        </p:txBody>
+      </p:sp>
+      <p:sp>
+        <p:nvSpPr>
+          <p:cNvPr id="26" name="Arrow: Right 25">
+            <a:extLst>
+              <a:ext uri="{FF2B5EF4-FFF2-40B4-BE49-F238E27FC236}">
+                <a16:creationId xmlns:a16="http://schemas.microsoft.com/office/drawing/2014/main" id="{20683B26-67E3-9B87-2348-CDA1020D8788}"/>
+              </a:ext>
+            </a:extLst>
+          </p:cNvPr>
+          <p:cNvSpPr/>
+          <p:nvPr/>
+        </p:nvSpPr>
+        <p:spPr>
+          <a:xfrm>
+            <a:off x="5152570" y="5567078"/>
+            <a:ext cx="1654629" cy="435430"/>
+          </a:xfrm>
+          <a:prstGeom prst="rightArrow">
+            <a:avLst/>
+          </a:prstGeom>
+        </p:spPr>
+        <p:style>
+          <a:lnRef idx="2">
+            <a:schemeClr val="accent1">
+              <a:shade val="50000"/>
+            </a:schemeClr>
+          </a:lnRef>
+          <a:fillRef idx="1">
+            <a:schemeClr val="accent1"/>
+          </a:fillRef>
+          <a:effectRef idx="0">
+            <a:schemeClr val="accent1"/>
+          </a:effectRef>
+          <a:fontRef idx="minor">
+            <a:schemeClr val="lt1"/>
+          </a:fontRef>
+        </p:style>
+        <p:txBody>
+          <a:bodyPr rtlCol="0" anchor="ctr"/>
+          <a:lstStyle/>
+          <a:p>
+            <a:pPr algn="ctr"/>
+            <a:endParaRPr lang="en-US"/>
+          </a:p>
+        </p:txBody>
+      </p:sp>
+      <p:sp>
+        <p:nvSpPr>
+          <p:cNvPr id="27" name="Arrow: Right 26">
+            <a:extLst>
+              <a:ext uri="{FF2B5EF4-FFF2-40B4-BE49-F238E27FC236}">
+                <a16:creationId xmlns:a16="http://schemas.microsoft.com/office/drawing/2014/main" id="{7CD42B5B-7877-B5F7-3D43-C101D811066D}"/>
+              </a:ext>
+            </a:extLst>
+          </p:cNvPr>
+          <p:cNvSpPr/>
+          <p:nvPr/>
+        </p:nvSpPr>
+        <p:spPr>
+          <a:xfrm>
+            <a:off x="5152570" y="6344032"/>
+            <a:ext cx="1654629" cy="435430"/>
+          </a:xfrm>
+          <a:prstGeom prst="rightArrow">
+            <a:avLst/>
+          </a:prstGeom>
+        </p:spPr>
+        <p:style>
+          <a:lnRef idx="2">
+            <a:schemeClr val="accent1">
+              <a:shade val="50000"/>
+            </a:schemeClr>
+          </a:lnRef>
+          <a:fillRef idx="1">
+            <a:schemeClr val="accent1"/>
+          </a:fillRef>
+          <a:effectRef idx="0">
+            <a:schemeClr val="accent1"/>
+          </a:effectRef>
+          <a:fontRef idx="minor">
+            <a:schemeClr val="lt1"/>
+          </a:fontRef>
+        </p:style>
+        <p:txBody>
+          <a:bodyPr rtlCol="0" anchor="ctr"/>
+          <a:lstStyle/>
+          <a:p>
+            <a:pPr algn="ctr"/>
+            <a:endParaRPr lang="en-US"/>
+          </a:p>
+        </p:txBody>
+      </p:sp>
+    </p:spTree>
+    <p:extLst>
+      <p:ext uri="{BB962C8B-B14F-4D97-AF65-F5344CB8AC3E}">
+        <p14:creationId xmlns:p14="http://schemas.microsoft.com/office/powerpoint/2010/main" val="2113676199"/>
+      </p:ext>
+    </p:extLst>
+  </p:cSld>
+  <p:clrMapOvr>
+    <a:masterClrMapping/>
+  </p:clrMapOvr>
+</p:sld>
+</file>
+
+<file path=ppt/slides/slide13.xml><?xml version="1.0" encoding="utf-8"?>
+<p:sld xmlns:a="http://schemas.openxmlformats.org/drawingml/2006/main" xmlns:r="http://schemas.openxmlformats.org/officeDocument/2006/relationships" xmlns:p="http://schemas.openxmlformats.org/presentationml/2006/main">
+  <p:cSld>
+    <p:spTree>
+      <p:nvGrpSpPr>
+        <p:cNvPr id="1" name=""/>
+        <p:cNvGrpSpPr/>
+        <p:nvPr/>
+      </p:nvGrpSpPr>
+      <p:grpSpPr>
+        <a:xfrm>
+          <a:off x="0" y="0"/>
+          <a:ext cx="0" cy="0"/>
+          <a:chOff x="0" y="0"/>
+          <a:chExt cx="0" cy="0"/>
+        </a:xfrm>
+      </p:grpSpPr>
+      <p:sp>
+        <p:nvSpPr>
+          <p:cNvPr id="3" name="Content Placeholder 2">
+            <a:extLst>
+              <a:ext uri="{FF2B5EF4-FFF2-40B4-BE49-F238E27FC236}">
+                <a16:creationId xmlns:a16="http://schemas.microsoft.com/office/drawing/2014/main" id="{29D9DC9E-02D1-78B5-8808-DF6DAA19D37B}"/>
+              </a:ext>
+            </a:extLst>
+          </p:cNvPr>
+          <p:cNvSpPr>
+            <a:spLocks noGrp="1"/>
+          </p:cNvSpPr>
+          <p:nvPr>
+            <p:ph idx="1"/>
+          </p:nvPr>
+        </p:nvSpPr>
+        <p:spPr>
+          <a:xfrm>
+            <a:off x="838200" y="246743"/>
+            <a:ext cx="10515600" cy="5930220"/>
+          </a:xfrm>
+        </p:spPr>
+        <p:txBody>
+          <a:bodyPr/>
+          <a:lstStyle/>
+          <a:p>
+            <a:r>
+              <a:rPr lang="en-US" dirty="0"/>
+              <a:t>Fetching Lists of Posts</a:t>
+            </a:r>
+          </a:p>
+          <a:p>
+            <a:r>
+              <a:rPr lang="en-US" dirty="0"/>
+              <a:t>Adding a create post Endpoint.</a:t>
+            </a:r>
+          </a:p>
+          <a:p>
+            <a:r>
+              <a:rPr lang="en-US" dirty="0"/>
+              <a:t>Adding Server side Validation.</a:t>
+            </a:r>
+          </a:p>
+        </p:txBody>
+      </p:sp>
+    </p:spTree>
+    <p:extLst>
+      <p:ext uri="{BB962C8B-B14F-4D97-AF65-F5344CB8AC3E}">
+        <p14:creationId xmlns:p14="http://schemas.microsoft.com/office/powerpoint/2010/main" val="2608256605"/>
+      </p:ext>
+    </p:extLst>
+  </p:cSld>
+  <p:clrMapOvr>
+    <a:masterClrMapping/>
+  </p:clrMapOvr>
+</p:sld>
+</file>
+
 <file path=ppt/slides/slide2.xml><?xml version="1.0" encoding="utf-8"?>
 <p:sld xmlns:a="http://schemas.openxmlformats.org/drawingml/2006/main" xmlns:r="http://schemas.openxmlformats.org/officeDocument/2006/relationships" xmlns:p="http://schemas.openxmlformats.org/presentationml/2006/main">
   <p:cSld>

--- a/REST APIs.pptx
+++ b/REST APIs.pptx
@@ -271,7 +271,7 @@
           <a:p>
             <a:fld id="{159EC54C-924C-416D-A1AC-492EEEAAD2BA}" type="datetimeFigureOut">
               <a:rPr lang="en-US" smtClean="0"/>
-              <a:t>2/16/2023</a:t>
+              <a:t>2/17/2023</a:t>
             </a:fld>
             <a:endParaRPr lang="en-US"/>
           </a:p>
@@ -469,7 +469,7 @@
           <a:p>
             <a:fld id="{159EC54C-924C-416D-A1AC-492EEEAAD2BA}" type="datetimeFigureOut">
               <a:rPr lang="en-US" smtClean="0"/>
-              <a:t>2/16/2023</a:t>
+              <a:t>2/17/2023</a:t>
             </a:fld>
             <a:endParaRPr lang="en-US"/>
           </a:p>
@@ -677,7 +677,7 @@
           <a:p>
             <a:fld id="{159EC54C-924C-416D-A1AC-492EEEAAD2BA}" type="datetimeFigureOut">
               <a:rPr lang="en-US" smtClean="0"/>
-              <a:t>2/16/2023</a:t>
+              <a:t>2/17/2023</a:t>
             </a:fld>
             <a:endParaRPr lang="en-US"/>
           </a:p>
@@ -875,7 +875,7 @@
           <a:p>
             <a:fld id="{159EC54C-924C-416D-A1AC-492EEEAAD2BA}" type="datetimeFigureOut">
               <a:rPr lang="en-US" smtClean="0"/>
-              <a:t>2/16/2023</a:t>
+              <a:t>2/17/2023</a:t>
             </a:fld>
             <a:endParaRPr lang="en-US"/>
           </a:p>
@@ -1150,7 +1150,7 @@
           <a:p>
             <a:fld id="{159EC54C-924C-416D-A1AC-492EEEAAD2BA}" type="datetimeFigureOut">
               <a:rPr lang="en-US" smtClean="0"/>
-              <a:t>2/16/2023</a:t>
+              <a:t>2/17/2023</a:t>
             </a:fld>
             <a:endParaRPr lang="en-US"/>
           </a:p>
@@ -1415,7 +1415,7 @@
           <a:p>
             <a:fld id="{159EC54C-924C-416D-A1AC-492EEEAAD2BA}" type="datetimeFigureOut">
               <a:rPr lang="en-US" smtClean="0"/>
-              <a:t>2/16/2023</a:t>
+              <a:t>2/17/2023</a:t>
             </a:fld>
             <a:endParaRPr lang="en-US"/>
           </a:p>
@@ -1827,7 +1827,7 @@
           <a:p>
             <a:fld id="{159EC54C-924C-416D-A1AC-492EEEAAD2BA}" type="datetimeFigureOut">
               <a:rPr lang="en-US" smtClean="0"/>
-              <a:t>2/16/2023</a:t>
+              <a:t>2/17/2023</a:t>
             </a:fld>
             <a:endParaRPr lang="en-US"/>
           </a:p>
@@ -1968,7 +1968,7 @@
           <a:p>
             <a:fld id="{159EC54C-924C-416D-A1AC-492EEEAAD2BA}" type="datetimeFigureOut">
               <a:rPr lang="en-US" smtClean="0"/>
-              <a:t>2/16/2023</a:t>
+              <a:t>2/17/2023</a:t>
             </a:fld>
             <a:endParaRPr lang="en-US"/>
           </a:p>
@@ -2081,7 +2081,7 @@
           <a:p>
             <a:fld id="{159EC54C-924C-416D-A1AC-492EEEAAD2BA}" type="datetimeFigureOut">
               <a:rPr lang="en-US" smtClean="0"/>
-              <a:t>2/16/2023</a:t>
+              <a:t>2/17/2023</a:t>
             </a:fld>
             <a:endParaRPr lang="en-US"/>
           </a:p>
@@ -2392,7 +2392,7 @@
           <a:p>
             <a:fld id="{159EC54C-924C-416D-A1AC-492EEEAAD2BA}" type="datetimeFigureOut">
               <a:rPr lang="en-US" smtClean="0"/>
-              <a:t>2/16/2023</a:t>
+              <a:t>2/17/2023</a:t>
             </a:fld>
             <a:endParaRPr lang="en-US"/>
           </a:p>
@@ -2680,7 +2680,7 @@
           <a:p>
             <a:fld id="{159EC54C-924C-416D-A1AC-492EEEAAD2BA}" type="datetimeFigureOut">
               <a:rPr lang="en-US" smtClean="0"/>
-              <a:t>2/16/2023</a:t>
+              <a:t>2/17/2023</a:t>
             </a:fld>
             <a:endParaRPr lang="en-US"/>
           </a:p>
@@ -2921,7 +2921,7 @@
           <a:p>
             <a:fld id="{159EC54C-924C-416D-A1AC-492EEEAAD2BA}" type="datetimeFigureOut">
               <a:rPr lang="en-US" smtClean="0"/>
-              <a:t>2/16/2023</a:t>
+              <a:t>2/17/2023</a:t>
             </a:fld>
             <a:endParaRPr lang="en-US"/>
           </a:p>
@@ -5247,6 +5247,35 @@
               <a:t>Adding Server side Validation.</a:t>
             </a:r>
           </a:p>
+          <a:p>
+            <a:r>
+              <a:rPr lang="en-US" dirty="0"/>
+              <a:t>Setting Up a Post Model.</a:t>
+            </a:r>
+          </a:p>
+          <a:p>
+            <a:r>
+              <a:rPr lang="en-US" dirty="0"/>
+              <a:t>Storing Posts in the Database.</a:t>
+            </a:r>
+          </a:p>
+          <a:p>
+            <a:r>
+              <a:rPr lang="en-US" dirty="0"/>
+              <a:t>Static Images &amp; Error Handling.</a:t>
+            </a:r>
+          </a:p>
+          <a:p>
+            <a:r>
+              <a:rPr lang="en-US" dirty="0"/>
+              <a:t>Fetching a Single </a:t>
+            </a:r>
+            <a:r>
+              <a:rPr lang="en-US"/>
+              <a:t>Post.</a:t>
+            </a:r>
+            <a:endParaRPr lang="en-US" dirty="0"/>
+          </a:p>
         </p:txBody>
       </p:sp>
     </p:spTree>

--- a/REST APIs.pptx
+++ b/REST APIs.pptx
@@ -271,7 +271,7 @@
           <a:p>
             <a:fld id="{159EC54C-924C-416D-A1AC-492EEEAAD2BA}" type="datetimeFigureOut">
               <a:rPr lang="en-US" smtClean="0"/>
-              <a:t>2/17/2023</a:t>
+              <a:t>2/23/2023</a:t>
             </a:fld>
             <a:endParaRPr lang="en-US"/>
           </a:p>
@@ -469,7 +469,7 @@
           <a:p>
             <a:fld id="{159EC54C-924C-416D-A1AC-492EEEAAD2BA}" type="datetimeFigureOut">
               <a:rPr lang="en-US" smtClean="0"/>
-              <a:t>2/17/2023</a:t>
+              <a:t>2/23/2023</a:t>
             </a:fld>
             <a:endParaRPr lang="en-US"/>
           </a:p>
@@ -677,7 +677,7 @@
           <a:p>
             <a:fld id="{159EC54C-924C-416D-A1AC-492EEEAAD2BA}" type="datetimeFigureOut">
               <a:rPr lang="en-US" smtClean="0"/>
-              <a:t>2/17/2023</a:t>
+              <a:t>2/23/2023</a:t>
             </a:fld>
             <a:endParaRPr lang="en-US"/>
           </a:p>
@@ -875,7 +875,7 @@
           <a:p>
             <a:fld id="{159EC54C-924C-416D-A1AC-492EEEAAD2BA}" type="datetimeFigureOut">
               <a:rPr lang="en-US" smtClean="0"/>
-              <a:t>2/17/2023</a:t>
+              <a:t>2/23/2023</a:t>
             </a:fld>
             <a:endParaRPr lang="en-US"/>
           </a:p>
@@ -1150,7 +1150,7 @@
           <a:p>
             <a:fld id="{159EC54C-924C-416D-A1AC-492EEEAAD2BA}" type="datetimeFigureOut">
               <a:rPr lang="en-US" smtClean="0"/>
-              <a:t>2/17/2023</a:t>
+              <a:t>2/23/2023</a:t>
             </a:fld>
             <a:endParaRPr lang="en-US"/>
           </a:p>
@@ -1415,7 +1415,7 @@
           <a:p>
             <a:fld id="{159EC54C-924C-416D-A1AC-492EEEAAD2BA}" type="datetimeFigureOut">
               <a:rPr lang="en-US" smtClean="0"/>
-              <a:t>2/17/2023</a:t>
+              <a:t>2/23/2023</a:t>
             </a:fld>
             <a:endParaRPr lang="en-US"/>
           </a:p>
@@ -1827,7 +1827,7 @@
           <a:p>
             <a:fld id="{159EC54C-924C-416D-A1AC-492EEEAAD2BA}" type="datetimeFigureOut">
               <a:rPr lang="en-US" smtClean="0"/>
-              <a:t>2/17/2023</a:t>
+              <a:t>2/23/2023</a:t>
             </a:fld>
             <a:endParaRPr lang="en-US"/>
           </a:p>
@@ -1968,7 +1968,7 @@
           <a:p>
             <a:fld id="{159EC54C-924C-416D-A1AC-492EEEAAD2BA}" type="datetimeFigureOut">
               <a:rPr lang="en-US" smtClean="0"/>
-              <a:t>2/17/2023</a:t>
+              <a:t>2/23/2023</a:t>
             </a:fld>
             <a:endParaRPr lang="en-US"/>
           </a:p>
@@ -2081,7 +2081,7 @@
           <a:p>
             <a:fld id="{159EC54C-924C-416D-A1AC-492EEEAAD2BA}" type="datetimeFigureOut">
               <a:rPr lang="en-US" smtClean="0"/>
-              <a:t>2/17/2023</a:t>
+              <a:t>2/23/2023</a:t>
             </a:fld>
             <a:endParaRPr lang="en-US"/>
           </a:p>
@@ -2392,7 +2392,7 @@
           <a:p>
             <a:fld id="{159EC54C-924C-416D-A1AC-492EEEAAD2BA}" type="datetimeFigureOut">
               <a:rPr lang="en-US" smtClean="0"/>
-              <a:t>2/17/2023</a:t>
+              <a:t>2/23/2023</a:t>
             </a:fld>
             <a:endParaRPr lang="en-US"/>
           </a:p>
@@ -2680,7 +2680,7 @@
           <a:p>
             <a:fld id="{159EC54C-924C-416D-A1AC-492EEEAAD2BA}" type="datetimeFigureOut">
               <a:rPr lang="en-US" smtClean="0"/>
-              <a:t>2/17/2023</a:t>
+              <a:t>2/23/2023</a:t>
             </a:fld>
             <a:endParaRPr lang="en-US"/>
           </a:p>
@@ -2921,7 +2921,7 @@
           <a:p>
             <a:fld id="{159EC54C-924C-416D-A1AC-492EEEAAD2BA}" type="datetimeFigureOut">
               <a:rPr lang="en-US" smtClean="0"/>
-              <a:t>2/17/2023</a:t>
+              <a:t>2/23/2023</a:t>
             </a:fld>
             <a:endParaRPr lang="en-US"/>
           </a:p>
@@ -5268,13 +5268,14 @@
           <a:p>
             <a:r>
               <a:rPr lang="en-US" dirty="0"/>
-              <a:t>Fetching a Single </a:t>
-            </a:r>
-            <a:r>
-              <a:rPr lang="en-US"/>
-              <a:t>Post.</a:t>
-            </a:r>
-            <a:endParaRPr lang="en-US" dirty="0"/>
+              <a:t>Fetching a Single Post.</a:t>
+            </a:r>
+          </a:p>
+          <a:p>
+            <a:r>
+              <a:rPr lang="en-US" dirty="0"/>
+              <a:t>Updating Posts</a:t>
+            </a:r>
           </a:p>
         </p:txBody>
       </p:sp>
